--- a/HTML & CSS & Javascript - starbuck.pptx
+++ b/HTML & CSS & Javascript - starbuck.pptx
@@ -247,7 +247,7 @@
           <a:p>
             <a:fld id="{F8F9F50E-CBF4-4BC9-B9FE-221518E4EE47}" type="datetimeFigureOut">
               <a:rPr lang="zh-TW" altLang="en-US" smtClean="0"/>
-              <a:t>2021/4/26</a:t>
+              <a:t>2021/5/3</a:t>
             </a:fld>
             <a:endParaRPr lang="zh-TW" altLang="en-US"/>
           </a:p>
@@ -1191,7 +1191,7 @@
             <a:fld id="{87DE6118-2437-4B30-8E3C-4D2BE6020583}" type="datetimeFigureOut">
               <a:rPr lang="en-US" dirty="0"/>
               <a:pPr/>
-              <a:t>4/26/2021</a:t>
+              <a:t>5/3/2021</a:t>
             </a:fld>
             <a:endParaRPr lang="en-US" dirty="0"/>
           </a:p>
@@ -1667,7 +1667,7 @@
             <a:fld id="{87DE6118-2437-4B30-8E3C-4D2BE6020583}" type="datetimeFigureOut">
               <a:rPr lang="en-US" dirty="0"/>
               <a:pPr/>
-              <a:t>4/26/2021</a:t>
+              <a:t>5/3/2021</a:t>
             </a:fld>
             <a:endParaRPr lang="en-US" dirty="0"/>
           </a:p>
@@ -1902,7 +1902,7 @@
           <a:p>
             <a:fld id="{87DE6118-2437-4B30-8E3C-4D2BE6020583}" type="datetimeFigureOut">
               <a:rPr lang="en-US" dirty="0"/>
-              <a:t>4/26/2021</a:t>
+              <a:t>5/3/2021</a:t>
             </a:fld>
             <a:endParaRPr lang="en-US" dirty="0"/>
           </a:p>
@@ -2077,7 +2077,7 @@
           <a:p>
             <a:fld id="{87DE6118-2437-4B30-8E3C-4D2BE6020583}" type="datetimeFigureOut">
               <a:rPr lang="en-US" dirty="0"/>
-              <a:t>4/26/2021</a:t>
+              <a:t>5/3/2021</a:t>
             </a:fld>
             <a:endParaRPr lang="en-US" dirty="0"/>
           </a:p>
@@ -2291,7 +2291,7 @@
             <a:fld id="{87DE6118-2437-4B30-8E3C-4D2BE6020583}" type="datetimeFigureOut">
               <a:rPr lang="en-US" smtClean="0"/>
               <a:pPr/>
-              <a:t>4/26/2021</a:t>
+              <a:t>5/3/2021</a:t>
             </a:fld>
             <a:endParaRPr lang="en-US" dirty="0"/>
           </a:p>
@@ -2567,7 +2567,7 @@
             <a:fld id="{87DE6118-2437-4B30-8E3C-4D2BE6020583}" type="datetimeFigureOut">
               <a:rPr lang="en-US" smtClean="0"/>
               <a:pPr/>
-              <a:t>4/26/2021</a:t>
+              <a:t>5/3/2021</a:t>
             </a:fld>
             <a:endParaRPr lang="en-US" dirty="0"/>
           </a:p>
@@ -2858,7 +2858,7 @@
             <a:fld id="{87DE6118-2437-4B30-8E3C-4D2BE6020583}" type="datetimeFigureOut">
               <a:rPr lang="en-US" dirty="0"/>
               <a:pPr/>
-              <a:t>4/26/2021</a:t>
+              <a:t>5/3/2021</a:t>
             </a:fld>
             <a:endParaRPr lang="en-US" dirty="0"/>
           </a:p>
@@ -3248,7 +3248,7 @@
           <a:p>
             <a:fld id="{87DE6118-2437-4B30-8E3C-4D2BE6020583}" type="datetimeFigureOut">
               <a:rPr lang="en-US" dirty="0"/>
-              <a:t>4/26/2021</a:t>
+              <a:t>5/3/2021</a:t>
             </a:fld>
             <a:endParaRPr lang="en-US" dirty="0"/>
           </a:p>
@@ -3720,7 +3720,7 @@
           <a:p>
             <a:fld id="{87DE6118-2437-4B30-8E3C-4D2BE6020583}" type="datetimeFigureOut">
               <a:rPr lang="en-US" dirty="0"/>
-              <a:t>4/26/2021</a:t>
+              <a:t>5/3/2021</a:t>
             </a:fld>
             <a:endParaRPr lang="en-US" dirty="0"/>
           </a:p>
@@ -3833,7 +3833,7 @@
           <a:p>
             <a:fld id="{87DE6118-2437-4B30-8E3C-4D2BE6020583}" type="datetimeFigureOut">
               <a:rPr lang="en-US" dirty="0"/>
-              <a:t>4/26/2021</a:t>
+              <a:t>5/3/2021</a:t>
             </a:fld>
             <a:endParaRPr lang="en-US" dirty="0"/>
           </a:p>
@@ -3923,7 +3923,7 @@
           <a:p>
             <a:fld id="{87DE6118-2437-4B30-8E3C-4D2BE6020583}" type="datetimeFigureOut">
               <a:rPr lang="en-US" dirty="0"/>
-              <a:t>4/26/2021</a:t>
+              <a:t>5/3/2021</a:t>
             </a:fld>
             <a:endParaRPr lang="en-US" dirty="0"/>
           </a:p>
@@ -4265,7 +4265,7 @@
             <a:fld id="{87DE6118-2437-4B30-8E3C-4D2BE6020583}" type="datetimeFigureOut">
               <a:rPr lang="en-US" dirty="0"/>
               <a:pPr/>
-              <a:t>4/26/2021</a:t>
+              <a:t>5/3/2021</a:t>
             </a:fld>
             <a:endParaRPr lang="en-US" dirty="0"/>
           </a:p>
@@ -4540,7 +4540,7 @@
             <a:fld id="{87DE6118-2437-4B30-8E3C-4D2BE6020583}" type="datetimeFigureOut">
               <a:rPr lang="en-US" dirty="0"/>
               <a:pPr/>
-              <a:t>4/26/2021</a:t>
+              <a:t>5/3/2021</a:t>
             </a:fld>
             <a:endParaRPr lang="en-US" dirty="0"/>
           </a:p>
@@ -6155,7 +6155,7 @@
         <p:spPr>
           <a:xfrm>
             <a:off x="1371599" y="1758461"/>
-            <a:ext cx="10341981" cy="4862257"/>
+            <a:ext cx="10341981" cy="3949881"/>
           </a:xfrm>
         </p:spPr>
         <p:txBody>
@@ -6853,6 +6853,134 @@
               <a:buNone/>
             </a:pPr>
             <a:endParaRPr lang="zh-TW" altLang="en-US" dirty="0"/>
+          </a:p>
+        </p:txBody>
+      </p:sp>
+      <p:pic>
+        <p:nvPicPr>
+          <p:cNvPr id="4" name="圖片 3">
+            <a:extLst>
+              <a:ext uri="{FF2B5EF4-FFF2-40B4-BE49-F238E27FC236}">
+                <a16:creationId xmlns:a16="http://schemas.microsoft.com/office/drawing/2014/main" id="{42F6EA9B-1770-4673-9C0E-C730AEAFE329}"/>
+              </a:ext>
+            </a:extLst>
+          </p:cNvPr>
+          <p:cNvPicPr>
+            <a:picLocks noChangeAspect="1"/>
+          </p:cNvPicPr>
+          <p:nvPr/>
+        </p:nvPicPr>
+        <p:blipFill>
+          <a:blip r:embed="rId3"/>
+          <a:stretch>
+            <a:fillRect/>
+          </a:stretch>
+        </p:blipFill>
+        <p:spPr>
+          <a:xfrm>
+            <a:off x="6608666" y="623360"/>
+            <a:ext cx="5104914" cy="2480669"/>
+          </a:xfrm>
+          <a:prstGeom prst="rect">
+            <a:avLst/>
+          </a:prstGeom>
+        </p:spPr>
+      </p:pic>
+      <p:sp>
+        <p:nvSpPr>
+          <p:cNvPr id="5" name="文字方塊 4">
+            <a:extLst>
+              <a:ext uri="{FF2B5EF4-FFF2-40B4-BE49-F238E27FC236}">
+                <a16:creationId xmlns:a16="http://schemas.microsoft.com/office/drawing/2014/main" id="{271674B1-C43F-4C95-A1F5-922D8B9A567C}"/>
+              </a:ext>
+            </a:extLst>
+          </p:cNvPr>
+          <p:cNvSpPr txBox="1"/>
+          <p:nvPr/>
+        </p:nvSpPr>
+        <p:spPr>
+          <a:xfrm>
+            <a:off x="7922719" y="222556"/>
+            <a:ext cx="2280314" cy="461665"/>
+          </a:xfrm>
+          <a:prstGeom prst="rect">
+            <a:avLst/>
+          </a:prstGeom>
+          <a:noFill/>
+        </p:spPr>
+        <p:txBody>
+          <a:bodyPr wrap="square" rtlCol="0">
+            <a:spAutoFit/>
+          </a:bodyPr>
+          <a:lstStyle/>
+          <a:p>
+            <a:r>
+              <a:rPr lang="en-US" altLang="zh-TW" sz="2400" dirty="0">
+                <a:solidFill>
+                  <a:srgbClr val="E28394"/>
+                </a:solidFill>
+              </a:rPr>
+              <a:t>&lt;section&gt;</a:t>
+            </a:r>
+            <a:endParaRPr lang="zh-TW" altLang="en-US" sz="2400" dirty="0">
+              <a:solidFill>
+                <a:srgbClr val="E28394"/>
+              </a:solidFill>
+            </a:endParaRPr>
+          </a:p>
+        </p:txBody>
+      </p:sp>
+      <p:sp>
+        <p:nvSpPr>
+          <p:cNvPr id="6" name="矩形 5">
+            <a:extLst>
+              <a:ext uri="{FF2B5EF4-FFF2-40B4-BE49-F238E27FC236}">
+                <a16:creationId xmlns:a16="http://schemas.microsoft.com/office/drawing/2014/main" id="{1E96F253-9F80-45C6-84AF-51E0DA81EB6C}"/>
+              </a:ext>
+            </a:extLst>
+          </p:cNvPr>
+          <p:cNvSpPr/>
+          <p:nvPr/>
+        </p:nvSpPr>
+        <p:spPr>
+          <a:xfrm>
+            <a:off x="6608666" y="620202"/>
+            <a:ext cx="5104914" cy="2480670"/>
+          </a:xfrm>
+          <a:prstGeom prst="rect">
+            <a:avLst/>
+          </a:prstGeom>
+          <a:noFill/>
+          <a:ln w="38100" cap="flat" cmpd="sng" algn="ctr">
+            <a:solidFill>
+              <a:schemeClr val="accent6"/>
+            </a:solidFill>
+            <a:prstDash val="solid"/>
+            <a:round/>
+            <a:headEnd type="none" w="med" len="med"/>
+            <a:tailEnd type="none" w="med" len="med"/>
+          </a:ln>
+        </p:spPr>
+        <p:style>
+          <a:lnRef idx="0">
+            <a:scrgbClr r="0" g="0" b="0"/>
+          </a:lnRef>
+          <a:fillRef idx="0">
+            <a:scrgbClr r="0" g="0" b="0"/>
+          </a:fillRef>
+          <a:effectRef idx="0">
+            <a:scrgbClr r="0" g="0" b="0"/>
+          </a:effectRef>
+          <a:fontRef idx="minor">
+            <a:schemeClr val="accent6"/>
+          </a:fontRef>
+        </p:style>
+        <p:txBody>
+          <a:bodyPr rtlCol="0" anchor="ctr"/>
+          <a:lstStyle/>
+          <a:p>
+            <a:pPr algn="ctr"/>
+            <a:endParaRPr lang="zh-TW" altLang="en-US"/>
           </a:p>
         </p:txBody>
       </p:sp>
@@ -8236,8 +8364,8 @@
         </p:nvSpPr>
         <p:spPr>
           <a:xfrm>
-            <a:off x="1371600" y="1758462"/>
-            <a:ext cx="10006314" cy="4850682"/>
+            <a:off x="1185169" y="1758462"/>
+            <a:ext cx="3963880" cy="4850682"/>
           </a:xfrm>
         </p:spPr>
         <p:txBody>
@@ -8292,7 +8420,7 @@
               <a:t>    </a:t>
             </a:r>
             <a:r>
-              <a:rPr lang="en-US" altLang="zh-TW" b="0" dirty="0" err="1">
+              <a:rPr lang="en-US" altLang="zh-TW" b="0" dirty="0">
                 <a:solidFill>
                   <a:srgbClr val="B2CCD6"/>
                 </a:solidFill>
@@ -8302,17 +8430,17 @@
               <a:t>position</a:t>
             </a:r>
             <a:r>
-              <a:rPr lang="en-US" altLang="zh-TW" b="0" dirty="0" err="1">
-                <a:solidFill>
-                  <a:srgbClr val="89DDFF"/>
-                </a:solidFill>
-                <a:effectLst/>
-                <a:latin typeface="Consolas" panose="020B0609020204030204" pitchFamily="49" charset="0"/>
-              </a:rPr>
-              <a:t>:</a:t>
-            </a:r>
-            <a:r>
-              <a:rPr lang="en-US" altLang="zh-TW" b="0" dirty="0" err="1">
+              <a:rPr lang="en-US" altLang="zh-TW" b="0" dirty="0">
+                <a:solidFill>
+                  <a:srgbClr val="89DDFF"/>
+                </a:solidFill>
+                <a:effectLst/>
+                <a:latin typeface="Consolas" panose="020B0609020204030204" pitchFamily="49" charset="0"/>
+              </a:rPr>
+              <a:t>: </a:t>
+            </a:r>
+            <a:r>
+              <a:rPr lang="en-US" altLang="zh-TW" b="0" dirty="0">
                 <a:solidFill>
                   <a:srgbClr val="EEFFFF"/>
                 </a:solidFill>
@@ -8792,6 +8920,194 @@
               <a:effectLst/>
               <a:latin typeface="Consolas" panose="020B0609020204030204" pitchFamily="49" charset="0"/>
             </a:endParaRPr>
+          </a:p>
+        </p:txBody>
+      </p:sp>
+      <p:pic>
+        <p:nvPicPr>
+          <p:cNvPr id="4" name="圖片 3">
+            <a:extLst>
+              <a:ext uri="{FF2B5EF4-FFF2-40B4-BE49-F238E27FC236}">
+                <a16:creationId xmlns:a16="http://schemas.microsoft.com/office/drawing/2014/main" id="{492CBC56-BFB8-4BD0-9E69-0B366408FEB3}"/>
+              </a:ext>
+            </a:extLst>
+          </p:cNvPr>
+          <p:cNvPicPr>
+            <a:picLocks noChangeAspect="1"/>
+          </p:cNvPicPr>
+          <p:nvPr/>
+        </p:nvPicPr>
+        <p:blipFill>
+          <a:blip r:embed="rId2"/>
+          <a:stretch>
+            <a:fillRect/>
+          </a:stretch>
+        </p:blipFill>
+        <p:spPr>
+          <a:xfrm>
+            <a:off x="4866497" y="1935331"/>
+            <a:ext cx="7118314" cy="3459055"/>
+          </a:xfrm>
+          <a:prstGeom prst="rect">
+            <a:avLst/>
+          </a:prstGeom>
+        </p:spPr>
+      </p:pic>
+      <p:sp>
+        <p:nvSpPr>
+          <p:cNvPr id="5" name="矩形 4">
+            <a:extLst>
+              <a:ext uri="{FF2B5EF4-FFF2-40B4-BE49-F238E27FC236}">
+                <a16:creationId xmlns:a16="http://schemas.microsoft.com/office/drawing/2014/main" id="{BB6166B9-841C-40EB-B653-6094EC8014B7}"/>
+              </a:ext>
+            </a:extLst>
+          </p:cNvPr>
+          <p:cNvSpPr/>
+          <p:nvPr/>
+        </p:nvSpPr>
+        <p:spPr>
+          <a:xfrm>
+            <a:off x="4866497" y="1935331"/>
+            <a:ext cx="7118314" cy="532661"/>
+          </a:xfrm>
+          <a:prstGeom prst="rect">
+            <a:avLst/>
+          </a:prstGeom>
+          <a:noFill/>
+          <a:ln>
+            <a:headEnd type="none" w="med" len="med"/>
+            <a:tailEnd type="none" w="med" len="med"/>
+          </a:ln>
+        </p:spPr>
+        <p:style>
+          <a:lnRef idx="2">
+            <a:schemeClr val="accent5"/>
+          </a:lnRef>
+          <a:fillRef idx="1">
+            <a:schemeClr val="lt1"/>
+          </a:fillRef>
+          <a:effectRef idx="0">
+            <a:schemeClr val="accent5"/>
+          </a:effectRef>
+          <a:fontRef idx="minor">
+            <a:schemeClr val="dk1"/>
+          </a:fontRef>
+        </p:style>
+        <p:txBody>
+          <a:bodyPr rtlCol="0" anchor="ctr"/>
+          <a:lstStyle/>
+          <a:p>
+            <a:pPr algn="ctr"/>
+            <a:endParaRPr lang="zh-TW" altLang="en-US">
+              <a:solidFill>
+                <a:schemeClr val="accent5">
+                  <a:lumMod val="75000"/>
+                </a:schemeClr>
+              </a:solidFill>
+            </a:endParaRPr>
+          </a:p>
+        </p:txBody>
+      </p:sp>
+      <p:sp>
+        <p:nvSpPr>
+          <p:cNvPr id="6" name="文字方塊 5">
+            <a:extLst>
+              <a:ext uri="{FF2B5EF4-FFF2-40B4-BE49-F238E27FC236}">
+                <a16:creationId xmlns:a16="http://schemas.microsoft.com/office/drawing/2014/main" id="{EFD8D35C-CBB7-4F4D-A1AC-90731052D1F4}"/>
+              </a:ext>
+            </a:extLst>
+          </p:cNvPr>
+          <p:cNvSpPr txBox="1"/>
+          <p:nvPr/>
+        </p:nvSpPr>
+        <p:spPr>
+          <a:xfrm>
+            <a:off x="7511541" y="2382873"/>
+            <a:ext cx="1828226" cy="461665"/>
+          </a:xfrm>
+          <a:prstGeom prst="rect">
+            <a:avLst/>
+          </a:prstGeom>
+          <a:noFill/>
+        </p:spPr>
+        <p:txBody>
+          <a:bodyPr wrap="square" rtlCol="0">
+            <a:spAutoFit/>
+          </a:bodyPr>
+          <a:lstStyle/>
+          <a:p>
+            <a:r>
+              <a:rPr lang="en-US" altLang="zh-TW" sz="2400" dirty="0">
+                <a:solidFill>
+                  <a:schemeClr val="accent5">
+                    <a:lumMod val="75000"/>
+                  </a:schemeClr>
+                </a:solidFill>
+              </a:rPr>
+              <a:t>&lt;header&gt;</a:t>
+            </a:r>
+            <a:endParaRPr lang="zh-TW" altLang="en-US" sz="2400" dirty="0">
+              <a:solidFill>
+                <a:schemeClr val="accent5">
+                  <a:lumMod val="75000"/>
+                </a:schemeClr>
+              </a:solidFill>
+            </a:endParaRPr>
+          </a:p>
+        </p:txBody>
+      </p:sp>
+      <p:sp>
+        <p:nvSpPr>
+          <p:cNvPr id="7" name="文字方塊 6">
+            <a:extLst>
+              <a:ext uri="{FF2B5EF4-FFF2-40B4-BE49-F238E27FC236}">
+                <a16:creationId xmlns:a16="http://schemas.microsoft.com/office/drawing/2014/main" id="{3553C5E1-11F1-4841-BDF3-C873D8210AF0}"/>
+              </a:ext>
+            </a:extLst>
+          </p:cNvPr>
+          <p:cNvSpPr txBox="1"/>
+          <p:nvPr/>
+        </p:nvSpPr>
+        <p:spPr>
+          <a:xfrm>
+            <a:off x="5543657" y="720573"/>
+            <a:ext cx="3245236" cy="369332"/>
+          </a:xfrm>
+          <a:prstGeom prst="rect">
+            <a:avLst/>
+          </a:prstGeom>
+          <a:noFill/>
+        </p:spPr>
+        <p:txBody>
+          <a:bodyPr wrap="square" rtlCol="0">
+            <a:spAutoFit/>
+          </a:bodyPr>
+          <a:lstStyle/>
+          <a:p>
+            <a:r>
+              <a:rPr lang="zh-TW" altLang="en-US" dirty="0">
+                <a:solidFill>
+                  <a:schemeClr val="bg1"/>
+                </a:solidFill>
+              </a:rPr>
+              <a:t>位置</a:t>
+            </a:r>
+            <a:r>
+              <a:rPr lang="en-US" altLang="zh-TW" dirty="0">
+                <a:solidFill>
+                  <a:schemeClr val="bg1"/>
+                </a:solidFill>
+              </a:rPr>
+              <a:t>:</a:t>
+            </a:r>
+            <a:r>
+              <a:rPr lang="zh-TW" altLang="en-US" dirty="0">
+                <a:solidFill>
+                  <a:schemeClr val="bg1"/>
+                </a:solidFill>
+              </a:rPr>
+              <a:t>在最上方</a:t>
+            </a:r>
           </a:p>
         </p:txBody>
       </p:sp>
@@ -9639,6 +9955,29 @@
               <a:buChar char="•"/>
             </a:pPr>
             <a:r>
+              <a:rPr lang="en-US" altLang="zh-TW" sz="2800" b="1" i="0" dirty="0">
+                <a:solidFill>
+                  <a:schemeClr val="accent6">
+                    <a:lumMod val="75000"/>
+                  </a:schemeClr>
+                </a:solidFill>
+                <a:effectLst/>
+                <a:latin typeface="inherit"/>
+              </a:rPr>
+              <a:t>align-item</a:t>
+            </a:r>
+            <a:r>
+              <a:rPr lang="en-US" altLang="zh-TW" sz="2800" b="1" dirty="0">
+                <a:solidFill>
+                  <a:schemeClr val="accent6">
+                    <a:lumMod val="75000"/>
+                  </a:schemeClr>
+                </a:solidFill>
+                <a:latin typeface="inherit"/>
+              </a:rPr>
+              <a:t>s</a:t>
+            </a:r>
+            <a:r>
               <a:rPr lang="en-US" altLang="zh-TW" sz="2800" b="0" i="0" dirty="0">
                 <a:solidFill>
                   <a:srgbClr val="555555"/>
@@ -9646,7 +9985,7 @@
                 <a:effectLst/>
                 <a:latin typeface="inherit"/>
               </a:rPr>
-              <a:t>align-items:</a:t>
+              <a:t>:</a:t>
             </a:r>
             <a:r>
               <a:rPr lang="zh-TW" altLang="en-US" sz="2800" b="0" i="0" dirty="0">
@@ -9774,6 +10113,282 @@
           </a:fillRef>
           <a:effectRef idx="0">
             <a:schemeClr val="accent1"/>
+          </a:effectRef>
+          <a:fontRef idx="minor">
+            <a:schemeClr val="lt1"/>
+          </a:fontRef>
+        </p:style>
+        <p:txBody>
+          <a:bodyPr rtlCol="0" anchor="ctr"/>
+          <a:lstStyle/>
+          <a:p>
+            <a:pPr algn="ctr"/>
+            <a:endParaRPr lang="zh-TW" altLang="en-US"/>
+          </a:p>
+        </p:txBody>
+      </p:sp>
+      <p:sp>
+        <p:nvSpPr>
+          <p:cNvPr id="4" name="橢圓 3">
+            <a:extLst>
+              <a:ext uri="{FF2B5EF4-FFF2-40B4-BE49-F238E27FC236}">
+                <a16:creationId xmlns:a16="http://schemas.microsoft.com/office/drawing/2014/main" id="{C3165AC9-DB8C-4950-B2C2-62A35F71651D}"/>
+              </a:ext>
+            </a:extLst>
+          </p:cNvPr>
+          <p:cNvSpPr/>
+          <p:nvPr/>
+        </p:nvSpPr>
+        <p:spPr>
+          <a:xfrm>
+            <a:off x="7972148" y="2574524"/>
+            <a:ext cx="177553" cy="177553"/>
+          </a:xfrm>
+          <a:prstGeom prst="ellipse">
+            <a:avLst/>
+          </a:prstGeom>
+        </p:spPr>
+        <p:style>
+          <a:lnRef idx="2">
+            <a:schemeClr val="accent2">
+              <a:shade val="50000"/>
+            </a:schemeClr>
+          </a:lnRef>
+          <a:fillRef idx="1">
+            <a:schemeClr val="accent2"/>
+          </a:fillRef>
+          <a:effectRef idx="0">
+            <a:schemeClr val="accent2"/>
+          </a:effectRef>
+          <a:fontRef idx="minor">
+            <a:schemeClr val="lt1"/>
+          </a:fontRef>
+        </p:style>
+        <p:txBody>
+          <a:bodyPr rtlCol="0" anchor="ctr"/>
+          <a:lstStyle/>
+          <a:p>
+            <a:pPr algn="ctr"/>
+            <a:endParaRPr lang="zh-TW" altLang="en-US"/>
+          </a:p>
+        </p:txBody>
+      </p:sp>
+      <p:sp>
+        <p:nvSpPr>
+          <p:cNvPr id="9" name="橢圓 8">
+            <a:extLst>
+              <a:ext uri="{FF2B5EF4-FFF2-40B4-BE49-F238E27FC236}">
+                <a16:creationId xmlns:a16="http://schemas.microsoft.com/office/drawing/2014/main" id="{30D669D7-0AC7-4F58-B696-7702C8D41D22}"/>
+              </a:ext>
+            </a:extLst>
+          </p:cNvPr>
+          <p:cNvSpPr/>
+          <p:nvPr/>
+        </p:nvSpPr>
+        <p:spPr>
+          <a:xfrm>
+            <a:off x="10608816" y="3840952"/>
+            <a:ext cx="177553" cy="177553"/>
+          </a:xfrm>
+          <a:prstGeom prst="ellipse">
+            <a:avLst/>
+          </a:prstGeom>
+        </p:spPr>
+        <p:style>
+          <a:lnRef idx="2">
+            <a:schemeClr val="accent2">
+              <a:shade val="50000"/>
+            </a:schemeClr>
+          </a:lnRef>
+          <a:fillRef idx="1">
+            <a:schemeClr val="accent2"/>
+          </a:fillRef>
+          <a:effectRef idx="0">
+            <a:schemeClr val="accent2"/>
+          </a:effectRef>
+          <a:fontRef idx="minor">
+            <a:schemeClr val="lt1"/>
+          </a:fontRef>
+        </p:style>
+        <p:txBody>
+          <a:bodyPr rtlCol="0" anchor="ctr"/>
+          <a:lstStyle/>
+          <a:p>
+            <a:pPr algn="ctr"/>
+            <a:endParaRPr lang="zh-TW" altLang="en-US"/>
+          </a:p>
+        </p:txBody>
+      </p:sp>
+      <p:sp>
+        <p:nvSpPr>
+          <p:cNvPr id="10" name="橢圓 9">
+            <a:extLst>
+              <a:ext uri="{FF2B5EF4-FFF2-40B4-BE49-F238E27FC236}">
+                <a16:creationId xmlns:a16="http://schemas.microsoft.com/office/drawing/2014/main" id="{4E67EF2B-CDDA-4FD4-9C11-4608629D67D0}"/>
+              </a:ext>
+            </a:extLst>
+          </p:cNvPr>
+          <p:cNvSpPr/>
+          <p:nvPr/>
+        </p:nvSpPr>
+        <p:spPr>
+          <a:xfrm>
+            <a:off x="7932478" y="4959752"/>
+            <a:ext cx="177553" cy="177553"/>
+          </a:xfrm>
+          <a:prstGeom prst="ellipse">
+            <a:avLst/>
+          </a:prstGeom>
+        </p:spPr>
+        <p:style>
+          <a:lnRef idx="2">
+            <a:schemeClr val="accent2">
+              <a:shade val="50000"/>
+            </a:schemeClr>
+          </a:lnRef>
+          <a:fillRef idx="1">
+            <a:schemeClr val="accent2"/>
+          </a:fillRef>
+          <a:effectRef idx="0">
+            <a:schemeClr val="accent2"/>
+          </a:effectRef>
+          <a:fontRef idx="minor">
+            <a:schemeClr val="lt1"/>
+          </a:fontRef>
+        </p:style>
+        <p:txBody>
+          <a:bodyPr rtlCol="0" anchor="ctr"/>
+          <a:lstStyle/>
+          <a:p>
+            <a:pPr algn="ctr"/>
+            <a:endParaRPr lang="zh-TW" altLang="en-US"/>
+          </a:p>
+        </p:txBody>
+      </p:sp>
+      <p:sp>
+        <p:nvSpPr>
+          <p:cNvPr id="11" name="橢圓 10">
+            <a:extLst>
+              <a:ext uri="{FF2B5EF4-FFF2-40B4-BE49-F238E27FC236}">
+                <a16:creationId xmlns:a16="http://schemas.microsoft.com/office/drawing/2014/main" id="{D67E822F-5811-44F6-A4A4-7531E0A7A57C}"/>
+              </a:ext>
+            </a:extLst>
+          </p:cNvPr>
+          <p:cNvSpPr/>
+          <p:nvPr/>
+        </p:nvSpPr>
+        <p:spPr>
+          <a:xfrm>
+            <a:off x="2947387" y="3340223"/>
+            <a:ext cx="177553" cy="177553"/>
+          </a:xfrm>
+          <a:prstGeom prst="ellipse">
+            <a:avLst/>
+          </a:prstGeom>
+        </p:spPr>
+        <p:style>
+          <a:lnRef idx="2">
+            <a:schemeClr val="accent2">
+              <a:shade val="50000"/>
+            </a:schemeClr>
+          </a:lnRef>
+          <a:fillRef idx="1">
+            <a:schemeClr val="accent2"/>
+          </a:fillRef>
+          <a:effectRef idx="0">
+            <a:schemeClr val="accent2"/>
+          </a:effectRef>
+          <a:fontRef idx="minor">
+            <a:schemeClr val="lt1"/>
+          </a:fontRef>
+        </p:style>
+        <p:txBody>
+          <a:bodyPr rtlCol="0" anchor="ctr"/>
+          <a:lstStyle/>
+          <a:p>
+            <a:pPr algn="ctr"/>
+            <a:endParaRPr lang="zh-TW" altLang="en-US"/>
+          </a:p>
+        </p:txBody>
+      </p:sp>
+      <p:sp>
+        <p:nvSpPr>
+          <p:cNvPr id="12" name="橢圓 11">
+            <a:extLst>
+              <a:ext uri="{FF2B5EF4-FFF2-40B4-BE49-F238E27FC236}">
+                <a16:creationId xmlns:a16="http://schemas.microsoft.com/office/drawing/2014/main" id="{AE1EE560-42C2-463B-9EC4-F03FB42CF081}"/>
+              </a:ext>
+            </a:extLst>
+          </p:cNvPr>
+          <p:cNvSpPr/>
+          <p:nvPr/>
+        </p:nvSpPr>
+        <p:spPr>
+          <a:xfrm>
+            <a:off x="2947387" y="4236996"/>
+            <a:ext cx="177553" cy="177553"/>
+          </a:xfrm>
+          <a:prstGeom prst="ellipse">
+            <a:avLst/>
+          </a:prstGeom>
+        </p:spPr>
+        <p:style>
+          <a:lnRef idx="2">
+            <a:schemeClr val="accent2">
+              <a:shade val="50000"/>
+            </a:schemeClr>
+          </a:lnRef>
+          <a:fillRef idx="1">
+            <a:schemeClr val="accent2"/>
+          </a:fillRef>
+          <a:effectRef idx="0">
+            <a:schemeClr val="accent2"/>
+          </a:effectRef>
+          <a:fontRef idx="minor">
+            <a:schemeClr val="lt1"/>
+          </a:fontRef>
+        </p:style>
+        <p:txBody>
+          <a:bodyPr rtlCol="0" anchor="ctr"/>
+          <a:lstStyle/>
+          <a:p>
+            <a:pPr algn="ctr"/>
+            <a:endParaRPr lang="zh-TW" altLang="en-US"/>
+          </a:p>
+        </p:txBody>
+      </p:sp>
+      <p:sp>
+        <p:nvSpPr>
+          <p:cNvPr id="13" name="橢圓 12">
+            <a:extLst>
+              <a:ext uri="{FF2B5EF4-FFF2-40B4-BE49-F238E27FC236}">
+                <a16:creationId xmlns:a16="http://schemas.microsoft.com/office/drawing/2014/main" id="{9C03E7BE-9E92-4C45-AEDA-F1E2F4676352}"/>
+              </a:ext>
+            </a:extLst>
+          </p:cNvPr>
+          <p:cNvSpPr/>
+          <p:nvPr/>
+        </p:nvSpPr>
+        <p:spPr>
+          <a:xfrm>
+            <a:off x="2947387" y="5100605"/>
+            <a:ext cx="177553" cy="177553"/>
+          </a:xfrm>
+          <a:prstGeom prst="ellipse">
+            <a:avLst/>
+          </a:prstGeom>
+        </p:spPr>
+        <p:style>
+          <a:lnRef idx="2">
+            <a:schemeClr val="accent2">
+              <a:shade val="50000"/>
+            </a:schemeClr>
+          </a:lnRef>
+          <a:fillRef idx="1">
+            <a:schemeClr val="accent2"/>
+          </a:fillRef>
+          <a:effectRef idx="0">
+            <a:schemeClr val="accent2"/>
           </a:effectRef>
           <a:fontRef idx="minor">
             <a:schemeClr val="lt1"/>
@@ -10349,6 +10964,169 @@
           </a:p>
         </p:txBody>
       </p:sp>
+      <p:pic>
+        <p:nvPicPr>
+          <p:cNvPr id="4" name="圖片 3">
+            <a:extLst>
+              <a:ext uri="{FF2B5EF4-FFF2-40B4-BE49-F238E27FC236}">
+                <a16:creationId xmlns:a16="http://schemas.microsoft.com/office/drawing/2014/main" id="{45D5E24A-D1C1-4C80-BCF8-F7F5F3DE57BF}"/>
+              </a:ext>
+            </a:extLst>
+          </p:cNvPr>
+          <p:cNvPicPr>
+            <a:picLocks noChangeAspect="1"/>
+          </p:cNvPicPr>
+          <p:nvPr/>
+        </p:nvPicPr>
+        <p:blipFill>
+          <a:blip r:embed="rId2"/>
+          <a:stretch>
+            <a:fillRect/>
+          </a:stretch>
+        </p:blipFill>
+        <p:spPr>
+          <a:xfrm>
+            <a:off x="6396979" y="3325872"/>
+            <a:ext cx="5632263" cy="2736928"/>
+          </a:xfrm>
+          <a:prstGeom prst="rect">
+            <a:avLst/>
+          </a:prstGeom>
+        </p:spPr>
+      </p:pic>
+      <p:sp>
+        <p:nvSpPr>
+          <p:cNvPr id="5" name="矩形 4">
+            <a:extLst>
+              <a:ext uri="{FF2B5EF4-FFF2-40B4-BE49-F238E27FC236}">
+                <a16:creationId xmlns:a16="http://schemas.microsoft.com/office/drawing/2014/main" id="{6DDB9989-866C-4AF2-B7B8-87E268F9B900}"/>
+              </a:ext>
+            </a:extLst>
+          </p:cNvPr>
+          <p:cNvSpPr/>
+          <p:nvPr/>
+        </p:nvSpPr>
+        <p:spPr>
+          <a:xfrm>
+            <a:off x="6680226" y="3325872"/>
+            <a:ext cx="484054" cy="484694"/>
+          </a:xfrm>
+          <a:prstGeom prst="rect">
+            <a:avLst/>
+          </a:prstGeom>
+          <a:noFill/>
+          <a:ln w="38100" cap="flat" cmpd="sng" algn="ctr">
+            <a:solidFill>
+              <a:schemeClr val="accent2">
+                <a:lumMod val="75000"/>
+              </a:schemeClr>
+            </a:solidFill>
+            <a:prstDash val="solid"/>
+            <a:round/>
+            <a:headEnd type="none" w="med" len="med"/>
+            <a:tailEnd type="none" w="med" len="med"/>
+          </a:ln>
+        </p:spPr>
+        <p:style>
+          <a:lnRef idx="0">
+            <a:scrgbClr r="0" g="0" b="0"/>
+          </a:lnRef>
+          <a:fillRef idx="0">
+            <a:scrgbClr r="0" g="0" b="0"/>
+          </a:fillRef>
+          <a:effectRef idx="0">
+            <a:scrgbClr r="0" g="0" b="0"/>
+          </a:effectRef>
+          <a:fontRef idx="minor">
+            <a:schemeClr val="accent6"/>
+          </a:fontRef>
+        </p:style>
+        <p:txBody>
+          <a:bodyPr rtlCol="0" anchor="ctr"/>
+          <a:lstStyle/>
+          <a:p>
+            <a:pPr algn="ctr"/>
+            <a:endParaRPr lang="zh-TW" altLang="en-US">
+              <a:solidFill>
+                <a:schemeClr val="accent2">
+                  <a:lumMod val="75000"/>
+                </a:schemeClr>
+              </a:solidFill>
+            </a:endParaRPr>
+          </a:p>
+        </p:txBody>
+      </p:sp>
+      <p:sp>
+        <p:nvSpPr>
+          <p:cNvPr id="6" name="文字方塊 5">
+            <a:extLst>
+              <a:ext uri="{FF2B5EF4-FFF2-40B4-BE49-F238E27FC236}">
+                <a16:creationId xmlns:a16="http://schemas.microsoft.com/office/drawing/2014/main" id="{F5B46EEF-80D1-47FA-8DE3-489B32238FD1}"/>
+              </a:ext>
+            </a:extLst>
+          </p:cNvPr>
+          <p:cNvSpPr txBox="1"/>
+          <p:nvPr/>
+        </p:nvSpPr>
+        <p:spPr>
+          <a:xfrm>
+            <a:off x="7164280" y="3429000"/>
+            <a:ext cx="2183906" cy="461665"/>
+          </a:xfrm>
+          <a:prstGeom prst="rect">
+            <a:avLst/>
+          </a:prstGeom>
+          <a:noFill/>
+        </p:spPr>
+        <p:txBody>
+          <a:bodyPr wrap="square" rtlCol="0">
+            <a:spAutoFit/>
+          </a:bodyPr>
+          <a:lstStyle/>
+          <a:p>
+            <a:r>
+              <a:rPr lang="en-US" altLang="zh-TW" sz="2400" dirty="0">
+                <a:solidFill>
+                  <a:schemeClr val="accent2">
+                    <a:lumMod val="75000"/>
+                  </a:schemeClr>
+                </a:solidFill>
+              </a:rPr>
+              <a:t>&lt;</a:t>
+            </a:r>
+            <a:r>
+              <a:rPr lang="en-US" altLang="zh-TW" sz="2400" dirty="0" err="1">
+                <a:solidFill>
+                  <a:schemeClr val="accent2">
+                    <a:lumMod val="75000"/>
+                  </a:schemeClr>
+                </a:solidFill>
+              </a:rPr>
+              <a:t>img</a:t>
+            </a:r>
+            <a:r>
+              <a:rPr lang="en-US" altLang="zh-TW" sz="2400" dirty="0">
+                <a:solidFill>
+                  <a:schemeClr val="accent2">
+                    <a:lumMod val="75000"/>
+                  </a:schemeClr>
+                </a:solidFill>
+              </a:rPr>
+              <a:t>&gt;+</a:t>
+            </a:r>
+            <a:r>
+              <a:rPr lang="zh-TW" altLang="en-US" sz="2400" dirty="0">
+                <a:solidFill>
+                  <a:schemeClr val="accent2">
+                    <a:lumMod val="75000"/>
+                  </a:schemeClr>
+                </a:solidFill>
+              </a:rPr>
+              <a:t>超連結</a:t>
+            </a:r>
+          </a:p>
+        </p:txBody>
+      </p:sp>
     </p:spTree>
     <p:extLst>
       <p:ext uri="{BB962C8B-B14F-4D97-AF65-F5344CB8AC3E}">
@@ -10880,6 +11658,140 @@
           </a:p>
           <a:p>
             <a:endParaRPr lang="zh-TW" altLang="en-US" dirty="0"/>
+          </a:p>
+        </p:txBody>
+      </p:sp>
+      <p:pic>
+        <p:nvPicPr>
+          <p:cNvPr id="4" name="圖片 3">
+            <a:extLst>
+              <a:ext uri="{FF2B5EF4-FFF2-40B4-BE49-F238E27FC236}">
+                <a16:creationId xmlns:a16="http://schemas.microsoft.com/office/drawing/2014/main" id="{BBA7AFB2-EAB6-4407-8637-5ADE140D479D}"/>
+              </a:ext>
+            </a:extLst>
+          </p:cNvPr>
+          <p:cNvPicPr>
+            <a:picLocks noChangeAspect="1"/>
+          </p:cNvPicPr>
+          <p:nvPr/>
+        </p:nvPicPr>
+        <p:blipFill>
+          <a:blip r:embed="rId2"/>
+          <a:stretch>
+            <a:fillRect/>
+          </a:stretch>
+        </p:blipFill>
+        <p:spPr>
+          <a:xfrm>
+            <a:off x="5435042" y="3429000"/>
+            <a:ext cx="6404932" cy="3112396"/>
+          </a:xfrm>
+          <a:prstGeom prst="rect">
+            <a:avLst/>
+          </a:prstGeom>
+        </p:spPr>
+      </p:pic>
+      <p:sp>
+        <p:nvSpPr>
+          <p:cNvPr id="5" name="矩形 4">
+            <a:extLst>
+              <a:ext uri="{FF2B5EF4-FFF2-40B4-BE49-F238E27FC236}">
+                <a16:creationId xmlns:a16="http://schemas.microsoft.com/office/drawing/2014/main" id="{9D928C7E-B141-4B7B-95A3-98DB5E1EFE9A}"/>
+              </a:ext>
+            </a:extLst>
+          </p:cNvPr>
+          <p:cNvSpPr/>
+          <p:nvPr/>
+        </p:nvSpPr>
+        <p:spPr>
+          <a:xfrm>
+            <a:off x="9721048" y="3429000"/>
+            <a:ext cx="2118925" cy="461665"/>
+          </a:xfrm>
+          <a:prstGeom prst="rect">
+            <a:avLst/>
+          </a:prstGeom>
+          <a:noFill/>
+          <a:ln w="38100" cap="flat" cmpd="sng" algn="ctr">
+            <a:solidFill>
+              <a:schemeClr val="accent4">
+                <a:lumMod val="75000"/>
+              </a:schemeClr>
+            </a:solidFill>
+            <a:prstDash val="solid"/>
+            <a:round/>
+            <a:headEnd type="none" w="med" len="med"/>
+            <a:tailEnd type="none" w="med" len="med"/>
+          </a:ln>
+        </p:spPr>
+        <p:style>
+          <a:lnRef idx="0">
+            <a:scrgbClr r="0" g="0" b="0"/>
+          </a:lnRef>
+          <a:fillRef idx="0">
+            <a:scrgbClr r="0" g="0" b="0"/>
+          </a:fillRef>
+          <a:effectRef idx="0">
+            <a:scrgbClr r="0" g="0" b="0"/>
+          </a:effectRef>
+          <a:fontRef idx="minor">
+            <a:schemeClr val="accent6"/>
+          </a:fontRef>
+        </p:style>
+        <p:txBody>
+          <a:bodyPr rtlCol="0" anchor="ctr"/>
+          <a:lstStyle/>
+          <a:p>
+            <a:pPr algn="ctr"/>
+            <a:endParaRPr lang="zh-TW" altLang="en-US"/>
+          </a:p>
+        </p:txBody>
+      </p:sp>
+      <p:sp>
+        <p:nvSpPr>
+          <p:cNvPr id="6" name="文字方塊 5">
+            <a:extLst>
+              <a:ext uri="{FF2B5EF4-FFF2-40B4-BE49-F238E27FC236}">
+                <a16:creationId xmlns:a16="http://schemas.microsoft.com/office/drawing/2014/main" id="{39679371-0F10-4D40-B757-8207DC79949E}"/>
+              </a:ext>
+            </a:extLst>
+          </p:cNvPr>
+          <p:cNvSpPr txBox="1"/>
+          <p:nvPr/>
+        </p:nvSpPr>
+        <p:spPr>
+          <a:xfrm>
+            <a:off x="8417284" y="3428999"/>
+            <a:ext cx="1303763" cy="461665"/>
+          </a:xfrm>
+          <a:prstGeom prst="rect">
+            <a:avLst/>
+          </a:prstGeom>
+          <a:noFill/>
+        </p:spPr>
+        <p:txBody>
+          <a:bodyPr wrap="square" rtlCol="0">
+            <a:spAutoFit/>
+          </a:bodyPr>
+          <a:lstStyle/>
+          <a:p>
+            <a:r>
+              <a:rPr lang="en-US" altLang="zh-TW" sz="2400" dirty="0">
+                <a:solidFill>
+                  <a:schemeClr val="accent4">
+                    <a:lumMod val="75000"/>
+                  </a:schemeClr>
+                </a:solidFill>
+              </a:rPr>
+              <a:t>&lt;ul&gt;&lt;li&gt;</a:t>
+            </a:r>
+            <a:endParaRPr lang="zh-TW" altLang="en-US" sz="2400" dirty="0">
+              <a:solidFill>
+                <a:schemeClr val="accent4">
+                  <a:lumMod val="75000"/>
+                </a:schemeClr>
+              </a:solidFill>
+            </a:endParaRPr>
           </a:p>
         </p:txBody>
       </p:sp>
@@ -18680,9 +19592,11 @@
               <a:buChar char="•"/>
             </a:pPr>
             <a:r>
-              <a:rPr lang="en-US" altLang="zh-TW" sz="2800" dirty="0">
-                <a:solidFill>
-                  <a:srgbClr val="555555"/>
+              <a:rPr lang="en-US" altLang="zh-TW" sz="2800" b="1" dirty="0">
+                <a:solidFill>
+                  <a:schemeClr val="accent6">
+                    <a:lumMod val="75000"/>
+                  </a:schemeClr>
                 </a:solidFill>
                 <a:latin typeface="inherit"/>
               </a:rPr>
@@ -19676,6 +20590,188 @@
           <a:ln w="38100" cap="flat" cmpd="sng" algn="ctr">
             <a:solidFill>
               <a:srgbClr val="E28394"/>
+            </a:solidFill>
+            <a:prstDash val="solid"/>
+            <a:round/>
+            <a:headEnd type="none" w="med" len="med"/>
+            <a:tailEnd type="none" w="med" len="med"/>
+          </a:ln>
+        </p:spPr>
+        <p:style>
+          <a:lnRef idx="0">
+            <a:scrgbClr r="0" g="0" b="0"/>
+          </a:lnRef>
+          <a:fillRef idx="0">
+            <a:scrgbClr r="0" g="0" b="0"/>
+          </a:fillRef>
+          <a:effectRef idx="0">
+            <a:scrgbClr r="0" g="0" b="0"/>
+          </a:effectRef>
+          <a:fontRef idx="minor">
+            <a:schemeClr val="accent6"/>
+          </a:fontRef>
+        </p:style>
+        <p:txBody>
+          <a:bodyPr rtlCol="0" anchor="ctr"/>
+          <a:lstStyle/>
+          <a:p>
+            <a:pPr algn="ctr"/>
+            <a:endParaRPr lang="zh-TW" altLang="en-US">
+              <a:solidFill>
+                <a:schemeClr val="accent5">
+                  <a:lumMod val="75000"/>
+                </a:schemeClr>
+              </a:solidFill>
+            </a:endParaRPr>
+          </a:p>
+        </p:txBody>
+      </p:sp>
+      <p:sp>
+        <p:nvSpPr>
+          <p:cNvPr id="6" name="文字方塊 5">
+            <a:extLst>
+              <a:ext uri="{FF2B5EF4-FFF2-40B4-BE49-F238E27FC236}">
+                <a16:creationId xmlns:a16="http://schemas.microsoft.com/office/drawing/2014/main" id="{E3ED895B-F211-4A7F-8DB9-D3566256D6F2}"/>
+              </a:ext>
+            </a:extLst>
+          </p:cNvPr>
+          <p:cNvSpPr txBox="1"/>
+          <p:nvPr/>
+        </p:nvSpPr>
+        <p:spPr>
+          <a:xfrm>
+            <a:off x="4305107" y="5551964"/>
+            <a:ext cx="3194612" cy="369332"/>
+          </a:xfrm>
+          <a:prstGeom prst="rect">
+            <a:avLst/>
+          </a:prstGeom>
+          <a:noFill/>
+        </p:spPr>
+        <p:txBody>
+          <a:bodyPr wrap="square" rtlCol="0">
+            <a:spAutoFit/>
+          </a:bodyPr>
+          <a:lstStyle/>
+          <a:p>
+            <a:r>
+              <a:rPr lang="en-US" altLang="zh-TW" dirty="0">
+                <a:solidFill>
+                  <a:schemeClr val="accent6">
+                    <a:lumMod val="75000"/>
+                  </a:schemeClr>
+                </a:solidFill>
+                <a:latin typeface="Consolas" panose="020B0609020204030204" pitchFamily="49" charset="0"/>
+              </a:rPr>
+              <a:t>&lt;ul class=“thumb”&gt; &lt;li&gt;</a:t>
+            </a:r>
+            <a:endParaRPr lang="zh-TW" altLang="en-US" dirty="0">
+              <a:solidFill>
+                <a:schemeClr val="accent6">
+                  <a:lumMod val="75000"/>
+                </a:schemeClr>
+              </a:solidFill>
+              <a:latin typeface="Consolas" panose="020B0609020204030204" pitchFamily="49" charset="0"/>
+            </a:endParaRPr>
+          </a:p>
+        </p:txBody>
+      </p:sp>
+      <p:sp>
+        <p:nvSpPr>
+          <p:cNvPr id="7" name="文字方塊 6">
+            <a:extLst>
+              <a:ext uri="{FF2B5EF4-FFF2-40B4-BE49-F238E27FC236}">
+                <a16:creationId xmlns:a16="http://schemas.microsoft.com/office/drawing/2014/main" id="{9CA3CADB-9E84-4660-ABD0-4BB2BAA81F87}"/>
+              </a:ext>
+            </a:extLst>
+          </p:cNvPr>
+          <p:cNvSpPr txBox="1"/>
+          <p:nvPr/>
+        </p:nvSpPr>
+        <p:spPr>
+          <a:xfrm>
+            <a:off x="9409768" y="4078272"/>
+            <a:ext cx="2495188" cy="646331"/>
+          </a:xfrm>
+          <a:prstGeom prst="rect">
+            <a:avLst/>
+          </a:prstGeom>
+          <a:noFill/>
+        </p:spPr>
+        <p:txBody>
+          <a:bodyPr wrap="square" rtlCol="0">
+            <a:spAutoFit/>
+          </a:bodyPr>
+          <a:lstStyle/>
+          <a:p>
+            <a:r>
+              <a:rPr lang="en-US" altLang="zh-TW" dirty="0">
+                <a:solidFill>
+                  <a:srgbClr val="FFFF00"/>
+                </a:solidFill>
+                <a:latin typeface="Consolas" panose="020B0609020204030204" pitchFamily="49" charset="0"/>
+              </a:rPr>
+              <a:t>&lt;ul class</a:t>
+            </a:r>
+            <a:r>
+              <a:rPr lang="en-US" altLang="zh-TW">
+                <a:solidFill>
+                  <a:srgbClr val="FFFF00"/>
+                </a:solidFill>
+                <a:latin typeface="Consolas" panose="020B0609020204030204" pitchFamily="49" charset="0"/>
+              </a:rPr>
+              <a:t>=“sci”&gt; </a:t>
+            </a:r>
+            <a:endParaRPr lang="en-US" altLang="zh-TW" dirty="0">
+              <a:solidFill>
+                <a:srgbClr val="FFFF00"/>
+              </a:solidFill>
+              <a:latin typeface="Consolas" panose="020B0609020204030204" pitchFamily="49" charset="0"/>
+            </a:endParaRPr>
+          </a:p>
+          <a:p>
+            <a:r>
+              <a:rPr lang="en-US" altLang="zh-TW" dirty="0">
+                <a:solidFill>
+                  <a:srgbClr val="FFFF00"/>
+                </a:solidFill>
+                <a:latin typeface="Consolas" panose="020B0609020204030204" pitchFamily="49" charset="0"/>
+              </a:rPr>
+              <a:t>&lt;li&gt;</a:t>
+            </a:r>
+            <a:endParaRPr lang="zh-TW" altLang="en-US" dirty="0">
+              <a:solidFill>
+                <a:srgbClr val="FFFF00"/>
+              </a:solidFill>
+              <a:latin typeface="Consolas" panose="020B0609020204030204" pitchFamily="49" charset="0"/>
+            </a:endParaRPr>
+          </a:p>
+        </p:txBody>
+      </p:sp>
+      <p:sp>
+        <p:nvSpPr>
+          <p:cNvPr id="8" name="矩形 7">
+            <a:extLst>
+              <a:ext uri="{FF2B5EF4-FFF2-40B4-BE49-F238E27FC236}">
+                <a16:creationId xmlns:a16="http://schemas.microsoft.com/office/drawing/2014/main" id="{EEED8D17-AAD6-41B4-8131-A4CA88B9BBBB}"/>
+              </a:ext>
+            </a:extLst>
+          </p:cNvPr>
+          <p:cNvSpPr/>
+          <p:nvPr/>
+        </p:nvSpPr>
+        <p:spPr>
+          <a:xfrm>
+            <a:off x="10820400" y="2685495"/>
+            <a:ext cx="543017" cy="1392777"/>
+          </a:xfrm>
+          <a:prstGeom prst="rect">
+            <a:avLst/>
+          </a:prstGeom>
+          <a:noFill/>
+          <a:ln w="38100" cap="flat" cmpd="sng" algn="ctr">
+            <a:solidFill>
+              <a:srgbClr val="FFFF00"/>
             </a:solidFill>
             <a:prstDash val="solid"/>
             <a:round/>
@@ -24666,8 +25762,8 @@
         </p:nvSpPr>
         <p:spPr>
           <a:xfrm>
-            <a:off x="0" y="483588"/>
-            <a:ext cx="12112978" cy="6165568"/>
+            <a:off x="138222" y="483588"/>
+            <a:ext cx="11974756" cy="6165568"/>
           </a:xfrm>
           <a:prstGeom prst="rect">
             <a:avLst/>
